--- a/Angular 8 Day 1 Introduction To Angular.pptx
+++ b/Angular 8 Day 1 Introduction To Angular.pptx
@@ -2896,42 +2896,6 @@
         </a:p>
       </dgm:t>
     </dgm:pt>
-    <dgm:pt modelId="{705FB12D-BCFB-4BD7-AC4B-940DF937197F}">
-      <dgm:prSet phldrT="[Text]"/>
-      <dgm:spPr/>
-      <dgm:t>
-        <a:bodyPr/>
-        <a:lstStyle/>
-        <a:p>
-          <a:r>
-            <a:rPr lang="en-US" dirty="0"/>
-            <a:t>Component Interaction</a:t>
-          </a:r>
-        </a:p>
-      </dgm:t>
-    </dgm:pt>
-    <dgm:pt modelId="{FD7E439C-9C56-4257-96B8-7B31683844F0}" type="parTrans" cxnId="{7C44362F-E663-4CA0-9D9F-32A673518CE0}">
-      <dgm:prSet/>
-      <dgm:spPr/>
-      <dgm:t>
-        <a:bodyPr/>
-        <a:lstStyle/>
-        <a:p>
-          <a:endParaRPr lang="en-US"/>
-        </a:p>
-      </dgm:t>
-    </dgm:pt>
-    <dgm:pt modelId="{16FF0399-562D-43E0-9128-763168A4C0AF}" type="sibTrans" cxnId="{7C44362F-E663-4CA0-9D9F-32A673518CE0}">
-      <dgm:prSet/>
-      <dgm:spPr/>
-      <dgm:t>
-        <a:bodyPr/>
-        <a:lstStyle/>
-        <a:p>
-          <a:endParaRPr lang="en-US"/>
-        </a:p>
-      </dgm:t>
-    </dgm:pt>
     <dgm:pt modelId="{5BFB8A21-58D9-46B4-8D35-12D4C6E02AB2}">
       <dgm:prSet phldrT="[Text]" custT="1"/>
       <dgm:spPr/>
@@ -2975,10 +2939,7 @@
         <a:bodyPr/>
         <a:lstStyle/>
         <a:p>
-          <a:r>
-            <a:rPr lang="en-US" dirty="0"/>
-            <a:t>Routing</a:t>
-          </a:r>
+          <a:endParaRPr lang="en-US" dirty="0"/>
         </a:p>
       </dgm:t>
     </dgm:pt>
@@ -3030,42 +2991,6 @@
       </dgm:t>
     </dgm:pt>
     <dgm:pt modelId="{6204019F-E28F-4A03-804B-6CBEAFFFE8CB}" type="sibTrans" cxnId="{871914A4-E72A-40CB-A12D-02928A64EFBC}">
-      <dgm:prSet/>
-      <dgm:spPr/>
-      <dgm:t>
-        <a:bodyPr/>
-        <a:lstStyle/>
-        <a:p>
-          <a:endParaRPr lang="en-US"/>
-        </a:p>
-      </dgm:t>
-    </dgm:pt>
-    <dgm:pt modelId="{F69B900A-7E6D-4C85-826C-E4C1B0B0BCF4}">
-      <dgm:prSet phldrT="[Text]"/>
-      <dgm:spPr/>
-      <dgm:t>
-        <a:bodyPr/>
-        <a:lstStyle/>
-        <a:p>
-          <a:r>
-            <a:rPr lang="en-US" dirty="0"/>
-            <a:t>Http</a:t>
-          </a:r>
-        </a:p>
-      </dgm:t>
-    </dgm:pt>
-    <dgm:pt modelId="{A9D9ADB1-0862-4C62-9AA8-EC1C6CC67AE2}" type="parTrans" cxnId="{D927A0AC-6FE6-451F-8ECC-67479F35EA4B}">
-      <dgm:prSet/>
-      <dgm:spPr/>
-      <dgm:t>
-        <a:bodyPr/>
-        <a:lstStyle/>
-        <a:p>
-          <a:endParaRPr lang="en-US"/>
-        </a:p>
-      </dgm:t>
-    </dgm:pt>
-    <dgm:pt modelId="{06D11920-91CB-42D9-8327-48B3AD630822}" type="sibTrans" cxnId="{D927A0AC-6FE6-451F-8ECC-67479F35EA4B}">
       <dgm:prSet/>
       <dgm:spPr/>
       <dgm:t>
@@ -3184,7 +3109,7 @@
         </a:p>
       </dgm:t>
     </dgm:pt>
-    <dgm:pt modelId="{17686615-C17C-427D-B345-1DB955FAC85B}">
+    <dgm:pt modelId="{845D809F-03CB-8744-A927-D5B94B57C548}">
       <dgm:prSet phldrT="[Text]"/>
       <dgm:spPr/>
       <dgm:t>
@@ -3193,12 +3118,12 @@
         <a:p>
           <a:r>
             <a:rPr lang="en-US" dirty="0"/>
-            <a:t>Services</a:t>
+            <a:t>Defining Observables</a:t>
           </a:r>
         </a:p>
       </dgm:t>
     </dgm:pt>
-    <dgm:pt modelId="{5C414CAA-556B-48A4-ACDD-3DBFCFCB83B6}" type="parTrans" cxnId="{2D5571B8-973E-48AA-B747-A64A7FD0726F}">
+    <dgm:pt modelId="{B5970F80-9BE2-F845-9695-D675DDD06436}" type="parTrans" cxnId="{D18E01B5-516C-F547-8233-0DD7E16B03A4}">
       <dgm:prSet/>
       <dgm:spPr/>
       <dgm:t>
@@ -3209,7 +3134,174 @@
         </a:p>
       </dgm:t>
     </dgm:pt>
-    <dgm:pt modelId="{75C28849-9458-4BA6-A5AD-71F8D1DD051A}" type="sibTrans" cxnId="{2D5571B8-973E-48AA-B747-A64A7FD0726F}">
+    <dgm:pt modelId="{F432AC39-F4E8-DF4B-956F-D8CF88DE6152}" type="sibTrans" cxnId="{D18E01B5-516C-F547-8233-0DD7E16B03A4}">
+      <dgm:prSet/>
+      <dgm:spPr/>
+      <dgm:t>
+        <a:bodyPr/>
+        <a:lstStyle/>
+        <a:p>
+          <a:endParaRPr lang="en-US"/>
+        </a:p>
+      </dgm:t>
+    </dgm:pt>
+    <dgm:pt modelId="{13E5DA09-DD9C-874A-9E9B-7D0473F220ED}">
+      <dgm:prSet phldrT="[Text]"/>
+      <dgm:spPr/>
+      <dgm:t>
+        <a:bodyPr/>
+        <a:lstStyle/>
+        <a:p>
+          <a:r>
+            <a:rPr lang="en-US" dirty="0"/>
+            <a:t>Route Guards</a:t>
+          </a:r>
+        </a:p>
+      </dgm:t>
+    </dgm:pt>
+    <dgm:pt modelId="{E15548BD-D9A5-9940-9D2E-E316B340FC09}" type="parTrans" cxnId="{48C58DC2-74D6-1849-A4E1-5C8C77033530}">
+      <dgm:prSet/>
+      <dgm:spPr/>
+      <dgm:t>
+        <a:bodyPr/>
+        <a:lstStyle/>
+        <a:p>
+          <a:endParaRPr lang="en-US"/>
+        </a:p>
+      </dgm:t>
+    </dgm:pt>
+    <dgm:pt modelId="{AF2BE6A8-323F-3B4E-85AD-CCF0A53CF5F9}" type="sibTrans" cxnId="{48C58DC2-74D6-1849-A4E1-5C8C77033530}">
+      <dgm:prSet/>
+      <dgm:spPr/>
+      <dgm:t>
+        <a:bodyPr/>
+        <a:lstStyle/>
+        <a:p>
+          <a:endParaRPr lang="en-US"/>
+        </a:p>
+      </dgm:t>
+    </dgm:pt>
+    <dgm:pt modelId="{45D94770-5425-454B-BA4E-FD1D7D82C262}">
+      <dgm:prSet phldrT="[Text]"/>
+      <dgm:spPr/>
+      <dgm:t>
+        <a:bodyPr/>
+        <a:lstStyle/>
+        <a:p>
+          <a:r>
+            <a:rPr lang="en-US" dirty="0"/>
+            <a:t>Material</a:t>
+          </a:r>
+        </a:p>
+      </dgm:t>
+    </dgm:pt>
+    <dgm:pt modelId="{7F579C08-A554-5944-B82D-79C1D3EB26EB}" type="parTrans" cxnId="{8736E5E3-498B-9B4D-8BC6-6B1ED21EFA7D}">
+      <dgm:prSet/>
+      <dgm:spPr/>
+      <dgm:t>
+        <a:bodyPr/>
+        <a:lstStyle/>
+        <a:p>
+          <a:endParaRPr lang="en-US"/>
+        </a:p>
+      </dgm:t>
+    </dgm:pt>
+    <dgm:pt modelId="{17FF8ED4-E11E-944B-81D6-6B4A28562158}" type="sibTrans" cxnId="{8736E5E3-498B-9B4D-8BC6-6B1ED21EFA7D}">
+      <dgm:prSet/>
+      <dgm:spPr/>
+      <dgm:t>
+        <a:bodyPr/>
+        <a:lstStyle/>
+        <a:p>
+          <a:endParaRPr lang="en-US"/>
+        </a:p>
+      </dgm:t>
+    </dgm:pt>
+    <dgm:pt modelId="{416974D4-3E35-9A49-9A68-1B82108FEF2C}">
+      <dgm:prSet phldrT="[Text]"/>
+      <dgm:spPr/>
+      <dgm:t>
+        <a:bodyPr/>
+        <a:lstStyle/>
+        <a:p>
+          <a:r>
+            <a:rPr lang="en-US" dirty="0"/>
+            <a:t>Routing</a:t>
+          </a:r>
+        </a:p>
+      </dgm:t>
+    </dgm:pt>
+    <dgm:pt modelId="{6E7CDF65-56EE-2A46-8E75-A8123DF60EB8}" type="parTrans" cxnId="{2351D178-4ABD-664A-8B6E-03DD7A509CD4}">
+      <dgm:prSet/>
+      <dgm:spPr/>
+    </dgm:pt>
+    <dgm:pt modelId="{EB82198B-B21A-C849-B2FD-D27595F90F69}" type="sibTrans" cxnId="{2351D178-4ABD-664A-8B6E-03DD7A509CD4}">
+      <dgm:prSet/>
+      <dgm:spPr/>
+    </dgm:pt>
+    <dgm:pt modelId="{7BC6BF87-870B-D347-9683-92D3AF4C2FF8}">
+      <dgm:prSet/>
+      <dgm:spPr/>
+      <dgm:t>
+        <a:bodyPr/>
+        <a:lstStyle/>
+        <a:p>
+          <a:r>
+            <a:rPr lang="en-US"/>
+            <a:t>Services</a:t>
+          </a:r>
+          <a:endParaRPr lang="en-US" dirty="0"/>
+        </a:p>
+      </dgm:t>
+    </dgm:pt>
+    <dgm:pt modelId="{F2F2975B-9C18-7746-ABE4-E994573028CD}" type="parTrans" cxnId="{4374ED46-26C7-6043-A50F-D59201BE832C}">
+      <dgm:prSet/>
+      <dgm:spPr/>
+      <dgm:t>
+        <a:bodyPr/>
+        <a:lstStyle/>
+        <a:p>
+          <a:endParaRPr lang="en-US"/>
+        </a:p>
+      </dgm:t>
+    </dgm:pt>
+    <dgm:pt modelId="{DA358689-F0A9-7A46-95FD-B63A5004752A}" type="sibTrans" cxnId="{4374ED46-26C7-6043-A50F-D59201BE832C}">
+      <dgm:prSet/>
+      <dgm:spPr/>
+      <dgm:t>
+        <a:bodyPr/>
+        <a:lstStyle/>
+        <a:p>
+          <a:endParaRPr lang="en-US"/>
+        </a:p>
+      </dgm:t>
+    </dgm:pt>
+    <dgm:pt modelId="{035752F9-BA05-764E-8AD8-C7D5B51DC1D5}">
+      <dgm:prSet/>
+      <dgm:spPr/>
+      <dgm:t>
+        <a:bodyPr/>
+        <a:lstStyle/>
+        <a:p>
+          <a:r>
+            <a:rPr lang="en-US" dirty="0"/>
+            <a:t>HttpClient</a:t>
+          </a:r>
+        </a:p>
+      </dgm:t>
+    </dgm:pt>
+    <dgm:pt modelId="{056F2EC5-5DD2-9145-AACD-8A711ECB7B9F}" type="parTrans" cxnId="{B61DB91B-789C-5143-818D-0B4587C2E3DD}">
+      <dgm:prSet/>
+      <dgm:spPr/>
+      <dgm:t>
+        <a:bodyPr/>
+        <a:lstStyle/>
+        <a:p>
+          <a:endParaRPr lang="en-US"/>
+        </a:p>
+      </dgm:t>
+    </dgm:pt>
+    <dgm:pt modelId="{CAECE121-1266-894B-8910-66862BD0A497}" type="sibTrans" cxnId="{B61DB91B-789C-5143-818D-0B4587C2E3DD}">
       <dgm:prSet/>
       <dgm:spPr/>
       <dgm:t>
@@ -3303,35 +3395,41 @@
     </dgm:pt>
   </dgm:ptLst>
   <dgm:cxnLst>
-    <dgm:cxn modelId="{B4DD5304-71EE-4C66-BA2B-EFF24DFBEC2B}" type="presOf" srcId="{F69B900A-7E6D-4C85-826C-E4C1B0B0BCF4}" destId="{F7953EAE-773D-4D58-AF6A-C889AAE1152F}" srcOrd="0" destOrd="2" presId="urn:microsoft.com/office/officeart/2005/8/layout/chevron2"/>
     <dgm:cxn modelId="{0766CB0E-2936-436C-9C18-996998AD5754}" srcId="{5B926A30-F69A-4693-A2C2-DCE8DE873342}" destId="{060E079F-DD28-4B18-9A91-2957C065F7C7}" srcOrd="1" destOrd="0" parTransId="{B29A91E6-2D5F-49AB-9B16-2CAD1525D559}" sibTransId="{43B069C3-CF42-4ACB-A5FF-7DC6093303CD}"/>
     <dgm:cxn modelId="{282FCF10-55D9-43E7-BAE3-7C902F036B35}" type="presOf" srcId="{5B32175B-BD69-49AE-92B7-5BE5846F5997}" destId="{44FEC36C-E04F-4B52-B616-D15DE52A7096}" srcOrd="0" destOrd="2" presId="urn:microsoft.com/office/officeart/2005/8/layout/chevron2"/>
+    <dgm:cxn modelId="{B61DB91B-789C-5143-818D-0B4587C2E3DD}" srcId="{21DAE692-1C7B-4AAF-8749-E253D5A4DF36}" destId="{035752F9-BA05-764E-8AD8-C7D5B51DC1D5}" srcOrd="4" destOrd="0" parTransId="{056F2EC5-5DD2-9145-AACD-8A711ECB7B9F}" sibTransId="{CAECE121-1266-894B-8910-66862BD0A497}"/>
     <dgm:cxn modelId="{726DFB1C-A12B-44AA-A2F6-16881863559B}" type="presOf" srcId="{5B926A30-F69A-4693-A2C2-DCE8DE873342}" destId="{C6C5BAE7-8B3E-492C-AA15-7FB7D7EA2894}" srcOrd="0" destOrd="0" presId="urn:microsoft.com/office/officeart/2005/8/layout/chevron2"/>
     <dgm:cxn modelId="{0FD3882A-A09E-40EC-AD7B-C287783E0BDB}" type="presOf" srcId="{B7DC4EDF-58FF-4098-BAEC-F161B4AFBD33}" destId="{F7953EAE-773D-4D58-AF6A-C889AAE1152F}" srcOrd="0" destOrd="0" presId="urn:microsoft.com/office/officeart/2005/8/layout/chevron2"/>
     <dgm:cxn modelId="{E39C7B2C-7398-47EC-B7BC-CDEB97C37F1E}" srcId="{5B926A30-F69A-4693-A2C2-DCE8DE873342}" destId="{FE9CA6AC-ED7C-40BE-8819-E5B7BEEF7BC4}" srcOrd="3" destOrd="0" parTransId="{7347D928-FB08-4710-A31A-C25A1AB78049}" sibTransId="{11C88F26-95E9-4A9C-994B-C75E48D4B97F}"/>
-    <dgm:cxn modelId="{7C44362F-E663-4CA0-9D9F-32A673518CE0}" srcId="{21DAE692-1C7B-4AAF-8749-E253D5A4DF36}" destId="{705FB12D-BCFB-4BD7-AC4B-940DF937197F}" srcOrd="2" destOrd="0" parTransId="{FD7E439C-9C56-4257-96B8-7B31683844F0}" sibTransId="{16FF0399-562D-43E0-9128-763168A4C0AF}"/>
     <dgm:cxn modelId="{DB4D402F-CE94-4C6F-A861-CC0F4C920F48}" srcId="{21DAE692-1C7B-4AAF-8749-E253D5A4DF36}" destId="{EC6A5F36-CCC4-4B7F-88A3-4F3382710B27}" srcOrd="0" destOrd="0" parTransId="{7C288BCD-E55C-4658-95D3-4344965275CE}" sibTransId="{7FA2E92E-CAE4-4545-B4A4-CBD151EC79D0}"/>
     <dgm:cxn modelId="{90F4FE31-A539-48CE-8744-492EDA6C303B}" type="presOf" srcId="{EC6A5F36-CCC4-4B7F-88A3-4F3382710B27}" destId="{5C502B09-D2FE-41E7-99A7-491A69EE5548}" srcOrd="0" destOrd="0" presId="urn:microsoft.com/office/officeart/2005/8/layout/chevron2"/>
     <dgm:cxn modelId="{B54DA032-2802-4A2A-A7EC-2192B5FC4D3B}" type="presOf" srcId="{1D2FB49D-6E4B-4386-B2DF-6892BAE064B6}" destId="{B2D7F4D7-EF0A-4ACA-9BCE-C3D01438BCB0}" srcOrd="0" destOrd="0" presId="urn:microsoft.com/office/officeart/2005/8/layout/chevron2"/>
     <dgm:cxn modelId="{BBDAE137-4A41-4351-9B0A-5B18D8F83195}" srcId="{5BFB8A21-58D9-46B4-8D35-12D4C6E02AB2}" destId="{B7DC4EDF-58FF-4098-BAEC-F161B4AFBD33}" srcOrd="0" destOrd="0" parTransId="{52EE4CFA-18A3-4701-B046-E96DCC7CE1B0}" sibTransId="{0169F0E3-CCB1-40B4-ACFA-63451AAFDF9E}"/>
+    <dgm:cxn modelId="{4374ED46-26C7-6043-A50F-D59201BE832C}" srcId="{21DAE692-1C7B-4AAF-8749-E253D5A4DF36}" destId="{7BC6BF87-870B-D347-9683-92D3AF4C2FF8}" srcOrd="3" destOrd="0" parTransId="{F2F2975B-9C18-7746-ABE4-E994573028CD}" sibTransId="{DA358689-F0A9-7A46-95FD-B63A5004752A}"/>
     <dgm:cxn modelId="{AB519453-01B7-488E-B393-16EC0FD2EF0D}" srcId="{1D2FB49D-6E4B-4386-B2DF-6892BAE064B6}" destId="{5BFB8A21-58D9-46B4-8D35-12D4C6E02AB2}" srcOrd="2" destOrd="0" parTransId="{C4B68382-7D25-419D-AD7C-71BF83C5CE51}" sibTransId="{017805AE-80E2-47CF-B063-18C2B785A9CF}"/>
     <dgm:cxn modelId="{02EA0B5A-9BE0-4323-A8E0-7546D1FF7829}" type="presOf" srcId="{B769AFEF-96DE-43EE-B302-20F560FA0FD7}" destId="{44FEC36C-E04F-4B52-B616-D15DE52A7096}" srcOrd="0" destOrd="0" presId="urn:microsoft.com/office/officeart/2005/8/layout/chevron2"/>
     <dgm:cxn modelId="{CDE6D05A-EEF1-42E9-9F81-66EC949F4B1B}" srcId="{5B926A30-F69A-4693-A2C2-DCE8DE873342}" destId="{5B32175B-BD69-49AE-92B7-5BE5846F5997}" srcOrd="2" destOrd="0" parTransId="{0A384933-DE12-4152-A747-F4F35EE84987}" sibTransId="{D975529D-761B-42F0-B044-123735F87319}"/>
     <dgm:cxn modelId="{64A8865C-B3F4-42EB-B5E1-A4C6094AFC9F}" type="presOf" srcId="{85EE1ADF-86C6-4B80-83D5-209A3F19ED40}" destId="{5C502B09-D2FE-41E7-99A7-491A69EE5548}" srcOrd="0" destOrd="1" presId="urn:microsoft.com/office/officeart/2005/8/layout/chevron2"/>
     <dgm:cxn modelId="{F26BBB63-8DF7-4E98-9569-0232579D4847}" type="presOf" srcId="{21DAE692-1C7B-4AAF-8749-E253D5A4DF36}" destId="{FC941F5C-A3C2-4476-BC9E-609AEA4D1B60}" srcOrd="0" destOrd="0" presId="urn:microsoft.com/office/officeart/2005/8/layout/chevron2"/>
+    <dgm:cxn modelId="{EBCC0064-23C2-414D-BDC5-F6B64692A3C5}" type="presOf" srcId="{13E5DA09-DD9C-874A-9E9B-7D0473F220ED}" destId="{F7953EAE-773D-4D58-AF6A-C889AAE1152F}" srcOrd="0" destOrd="2" presId="urn:microsoft.com/office/officeart/2005/8/layout/chevron2"/>
+    <dgm:cxn modelId="{CD056664-444F-0B4F-9BFC-FCB577694DFC}" type="presOf" srcId="{416974D4-3E35-9A49-9A68-1B82108FEF2C}" destId="{5C502B09-D2FE-41E7-99A7-491A69EE5548}" srcOrd="0" destOrd="2" presId="urn:microsoft.com/office/officeart/2005/8/layout/chevron2"/>
+    <dgm:cxn modelId="{0977D065-58CA-124C-95EC-03BD87200503}" type="presOf" srcId="{035752F9-BA05-764E-8AD8-C7D5B51DC1D5}" destId="{5C502B09-D2FE-41E7-99A7-491A69EE5548}" srcOrd="0" destOrd="4" presId="urn:microsoft.com/office/officeart/2005/8/layout/chevron2"/>
+    <dgm:cxn modelId="{CD21FA70-5713-2047-A209-CF0099219E74}" type="presOf" srcId="{845D809F-03CB-8744-A927-D5B94B57C548}" destId="{F7953EAE-773D-4D58-AF6A-C889AAE1152F}" srcOrd="0" destOrd="1" presId="urn:microsoft.com/office/officeart/2005/8/layout/chevron2"/>
+    <dgm:cxn modelId="{2351D178-4ABD-664A-8B6E-03DD7A509CD4}" srcId="{21DAE692-1C7B-4AAF-8749-E253D5A4DF36}" destId="{416974D4-3E35-9A49-9A68-1B82108FEF2C}" srcOrd="2" destOrd="0" parTransId="{6E7CDF65-56EE-2A46-8E75-A8123DF60EB8}" sibTransId="{EB82198B-B21A-C849-B2FD-D27595F90F69}"/>
     <dgm:cxn modelId="{14E1548D-989C-46A8-9249-AF5BD12611D8}" type="presOf" srcId="{FE9CA6AC-ED7C-40BE-8819-E5B7BEEF7BC4}" destId="{44FEC36C-E04F-4B52-B616-D15DE52A7096}" srcOrd="0" destOrd="3" presId="urn:microsoft.com/office/officeart/2005/8/layout/chevron2"/>
     <dgm:cxn modelId="{1EF0F290-90A2-4CC7-9C8F-2B7EAD0BB78D}" srcId="{1D2FB49D-6E4B-4386-B2DF-6892BAE064B6}" destId="{5B926A30-F69A-4693-A2C2-DCE8DE873342}" srcOrd="0" destOrd="0" parTransId="{A3B8906D-4C63-40D3-BED9-2693A2B5B997}" sibTransId="{4D5931E2-FB4F-4AB9-B47B-74E912760238}"/>
     <dgm:cxn modelId="{87A66293-D063-445A-9B24-B60FCD9229F1}" type="presOf" srcId="{060E079F-DD28-4B18-9A91-2957C065F7C7}" destId="{44FEC36C-E04F-4B52-B616-D15DE52A7096}" srcOrd="0" destOrd="1" presId="urn:microsoft.com/office/officeart/2005/8/layout/chevron2"/>
-    <dgm:cxn modelId="{4E89D5A2-5A10-4AEF-A3F6-A00444411345}" srcId="{5BFB8A21-58D9-46B4-8D35-12D4C6E02AB2}" destId="{022647E8-E878-43D4-BFA3-73031F070B27}" srcOrd="3" destOrd="0" parTransId="{AADFAAC8-9728-43F6-AF84-A303704EAEF8}" sibTransId="{2BD4DBA4-69FA-4161-B214-32FB40A8604C}"/>
+    <dgm:cxn modelId="{52D2BA9F-D426-584A-A844-DB070EDF165B}" type="presOf" srcId="{7BC6BF87-870B-D347-9683-92D3AF4C2FF8}" destId="{5C502B09-D2FE-41E7-99A7-491A69EE5548}" srcOrd="0" destOrd="3" presId="urn:microsoft.com/office/officeart/2005/8/layout/chevron2"/>
+    <dgm:cxn modelId="{4E89D5A2-5A10-4AEF-A3F6-A00444411345}" srcId="{5BFB8A21-58D9-46B4-8D35-12D4C6E02AB2}" destId="{022647E8-E878-43D4-BFA3-73031F070B27}" srcOrd="4" destOrd="0" parTransId="{AADFAAC8-9728-43F6-AF84-A303704EAEF8}" sibTransId="{2BD4DBA4-69FA-4161-B214-32FB40A8604C}"/>
     <dgm:cxn modelId="{871914A4-E72A-40CB-A12D-02928A64EFBC}" srcId="{21DAE692-1C7B-4AAF-8749-E253D5A4DF36}" destId="{85EE1ADF-86C6-4B80-83D5-209A3F19ED40}" srcOrd="1" destOrd="0" parTransId="{841DF573-E979-4071-802B-2C06342AD783}" sibTransId="{6204019F-E28F-4A03-804B-6CBEAFFFE8CB}"/>
-    <dgm:cxn modelId="{17349DAB-E0C7-4372-9A10-85EA543E12BC}" type="presOf" srcId="{705FB12D-BCFB-4BD7-AC4B-940DF937197F}" destId="{5C502B09-D2FE-41E7-99A7-491A69EE5548}" srcOrd="0" destOrd="2" presId="urn:microsoft.com/office/officeart/2005/8/layout/chevron2"/>
-    <dgm:cxn modelId="{D927A0AC-6FE6-451F-8ECC-67479F35EA4B}" srcId="{5BFB8A21-58D9-46B4-8D35-12D4C6E02AB2}" destId="{F69B900A-7E6D-4C85-826C-E4C1B0B0BCF4}" srcOrd="2" destOrd="0" parTransId="{A9D9ADB1-0862-4C62-9AA8-EC1C6CC67AE2}" sibTransId="{06D11920-91CB-42D9-8327-48B3AD630822}"/>
-    <dgm:cxn modelId="{2D5571B8-973E-48AA-B747-A64A7FD0726F}" srcId="{5BFB8A21-58D9-46B4-8D35-12D4C6E02AB2}" destId="{17686615-C17C-427D-B345-1DB955FAC85B}" srcOrd="1" destOrd="0" parTransId="{5C414CAA-556B-48A4-ACDD-3DBFCFCB83B6}" sibTransId="{75C28849-9458-4BA6-A5AD-71F8D1DD051A}"/>
+    <dgm:cxn modelId="{D18E01B5-516C-F547-8233-0DD7E16B03A4}" srcId="{5BFB8A21-58D9-46B4-8D35-12D4C6E02AB2}" destId="{845D809F-03CB-8744-A927-D5B94B57C548}" srcOrd="1" destOrd="0" parTransId="{B5970F80-9BE2-F845-9695-D675DDD06436}" sibTransId="{F432AC39-F4E8-DF4B-956F-D8CF88DE6152}"/>
     <dgm:cxn modelId="{5C65F8C0-1C87-4818-BED1-CDC13452988B}" srcId="{1D2FB49D-6E4B-4386-B2DF-6892BAE064B6}" destId="{21DAE692-1C7B-4AAF-8749-E253D5A4DF36}" srcOrd="1" destOrd="0" parTransId="{B1A3252E-CF0E-495E-861D-18E8722C8E45}" sibTransId="{F7A4E030-5592-44AE-9D8F-525CF3B94E0D}"/>
-    <dgm:cxn modelId="{981F2CD5-6592-4D8E-B78C-E7C347B13857}" type="presOf" srcId="{022647E8-E878-43D4-BFA3-73031F070B27}" destId="{F7953EAE-773D-4D58-AF6A-C889AAE1152F}" srcOrd="0" destOrd="3" presId="urn:microsoft.com/office/officeart/2005/8/layout/chevron2"/>
+    <dgm:cxn modelId="{48C58DC2-74D6-1849-A4E1-5C8C77033530}" srcId="{5BFB8A21-58D9-46B4-8D35-12D4C6E02AB2}" destId="{13E5DA09-DD9C-874A-9E9B-7D0473F220ED}" srcOrd="2" destOrd="0" parTransId="{E15548BD-D9A5-9940-9D2E-E316B340FC09}" sibTransId="{AF2BE6A8-323F-3B4E-85AD-CCF0A53CF5F9}"/>
+    <dgm:cxn modelId="{5FBAD2D0-799D-F946-B973-48E15F44F4FE}" type="presOf" srcId="{45D94770-5425-454B-BA4E-FD1D7D82C262}" destId="{F7953EAE-773D-4D58-AF6A-C889AAE1152F}" srcOrd="0" destOrd="3" presId="urn:microsoft.com/office/officeart/2005/8/layout/chevron2"/>
+    <dgm:cxn modelId="{981F2CD5-6592-4D8E-B78C-E7C347B13857}" type="presOf" srcId="{022647E8-E878-43D4-BFA3-73031F070B27}" destId="{F7953EAE-773D-4D58-AF6A-C889AAE1152F}" srcOrd="0" destOrd="4" presId="urn:microsoft.com/office/officeart/2005/8/layout/chevron2"/>
     <dgm:cxn modelId="{D25EFCDD-1F49-4C1F-AE5A-2E7C8D99DA76}" type="presOf" srcId="{5BFB8A21-58D9-46B4-8D35-12D4C6E02AB2}" destId="{313AD033-B7BB-4EC6-AC9F-779C779033BC}" srcOrd="0" destOrd="0" presId="urn:microsoft.com/office/officeart/2005/8/layout/chevron2"/>
+    <dgm:cxn modelId="{8736E5E3-498B-9B4D-8BC6-6B1ED21EFA7D}" srcId="{5BFB8A21-58D9-46B4-8D35-12D4C6E02AB2}" destId="{45D94770-5425-454B-BA4E-FD1D7D82C262}" srcOrd="3" destOrd="0" parTransId="{7F579C08-A554-5944-B82D-79C1D3EB26EB}" sibTransId="{17FF8ED4-E11E-944B-81D6-6B4A28562158}"/>
     <dgm:cxn modelId="{0122F0E5-818A-440D-8699-3250F6525313}" srcId="{5B926A30-F69A-4693-A2C2-DCE8DE873342}" destId="{B769AFEF-96DE-43EE-B302-20F560FA0FD7}" srcOrd="0" destOrd="0" parTransId="{74753D12-EC69-4D0E-8908-29A21913BC9E}" sibTransId="{DA90F52A-58F5-4AEA-95E3-7CE74B5DD938}"/>
-    <dgm:cxn modelId="{AF2966FB-117F-4F5F-A154-48F3E6A28059}" type="presOf" srcId="{17686615-C17C-427D-B345-1DB955FAC85B}" destId="{F7953EAE-773D-4D58-AF6A-C889AAE1152F}" srcOrd="0" destOrd="1" presId="urn:microsoft.com/office/officeart/2005/8/layout/chevron2"/>
     <dgm:cxn modelId="{485681C1-F79F-4E68-BA6A-EF5AD1A57A54}" type="presParOf" srcId="{B2D7F4D7-EF0A-4ACA-9BCE-C3D01438BCB0}" destId="{5BB3FACC-0A73-417B-936C-C19F7DDC11F5}" srcOrd="0" destOrd="0" presId="urn:microsoft.com/office/officeart/2005/8/layout/chevron2"/>
     <dgm:cxn modelId="{95C6AFB5-2149-41E1-AB27-70C930E7E170}" type="presParOf" srcId="{5BB3FACC-0A73-417B-936C-C19F7DDC11F5}" destId="{C6C5BAE7-8B3E-492C-AA15-7FB7D7EA2894}" srcOrd="0" destOrd="0" presId="urn:microsoft.com/office/officeart/2005/8/layout/chevron2"/>
     <dgm:cxn modelId="{D48CC67A-7017-47AB-9FD2-1B9437223288}" type="presParOf" srcId="{5BB3FACC-0A73-417B-936C-C19F7DDC11F5}" destId="{44FEC36C-E04F-4B52-B616-D15DE52A7096}" srcOrd="1" destOrd="0" presId="urn:microsoft.com/office/officeart/2005/8/layout/chevron2"/>
@@ -3519,10 +3617,7 @@
           </a:r>
         </a:p>
         <a:p>
-          <a:r>
-            <a:rPr lang="en-US" sz="1200" b="1" dirty="0"/>
-            <a:t>(JS Tomorrow)</a:t>
-          </a:r>
+          <a:endParaRPr lang="en-US" sz="1200" b="1" dirty="0"/>
         </a:p>
       </dgm:t>
     </dgm:pt>
@@ -3561,10 +3656,7 @@
           </a:r>
         </a:p>
         <a:p>
-          <a:r>
-            <a:rPr lang="en-US" sz="1800" dirty="0"/>
-            <a:t>(JS Today)</a:t>
-          </a:r>
+          <a:endParaRPr lang="en-US" sz="1800" dirty="0"/>
         </a:p>
       </dgm:t>
     </dgm:pt>
@@ -3694,8 +3786,8 @@
       </dsp:nvSpPr>
       <dsp:spPr>
         <a:xfrm rot="5400000">
-          <a:off x="-222646" y="223826"/>
-          <a:ext cx="1484312" cy="1039018"/>
+          <a:off x="-276658" y="278408"/>
+          <a:ext cx="1844387" cy="1291071"/>
         </a:xfrm>
         <a:prstGeom prst="chevron">
           <a:avLst/>
@@ -3791,8 +3883,8 @@
         </a:p>
       </dsp:txBody>
       <dsp:txXfrm rot="-5400000">
-        <a:off x="1" y="520688"/>
-        <a:ext cx="1039018" cy="445294"/>
+        <a:off x="1" y="647286"/>
+        <a:ext cx="1291071" cy="553316"/>
       </dsp:txXfrm>
     </dsp:sp>
     <dsp:sp modelId="{44FEC36C-E04F-4B52-B616-D15DE52A7096}">
@@ -3802,8 +3894,8 @@
       </dsp:nvSpPr>
       <dsp:spPr>
         <a:xfrm rot="5400000">
-          <a:off x="2627907" y="-1587709"/>
-          <a:ext cx="964803" cy="4142581"/>
+          <a:off x="3220569" y="-1927747"/>
+          <a:ext cx="1198851" cy="5057847"/>
         </a:xfrm>
         <a:prstGeom prst="round2SameRect">
           <a:avLst/>
@@ -3922,8 +4014,8 @@
         </a:p>
       </dsp:txBody>
       <dsp:txXfrm rot="-5400000">
-        <a:off x="1039018" y="48278"/>
-        <a:ext cx="4095483" cy="870607"/>
+        <a:off x="1291072" y="60273"/>
+        <a:ext cx="4999324" cy="1081805"/>
       </dsp:txXfrm>
     </dsp:sp>
     <dsp:sp modelId="{FC941F5C-A3C2-4476-BC9E-609AEA4D1B60}">
@@ -3933,8 +4025,8 @@
       </dsp:nvSpPr>
       <dsp:spPr>
         <a:xfrm rot="5400000">
-          <a:off x="-222646" y="1512490"/>
-          <a:ext cx="1484312" cy="1039018"/>
+          <a:off x="-276658" y="1931070"/>
+          <a:ext cx="1844387" cy="1291071"/>
         </a:xfrm>
         <a:prstGeom prst="chevron">
           <a:avLst/>
@@ -4030,8 +4122,8 @@
         </a:p>
       </dsp:txBody>
       <dsp:txXfrm rot="-5400000">
-        <a:off x="1" y="1809352"/>
-        <a:ext cx="1039018" cy="445294"/>
+        <a:off x="1" y="2299948"/>
+        <a:ext cx="1291071" cy="553316"/>
       </dsp:txXfrm>
     </dsp:sp>
     <dsp:sp modelId="{5C502B09-D2FE-41E7-99A7-491A69EE5548}">
@@ -4041,8 +4133,8 @@
       </dsp:nvSpPr>
       <dsp:spPr>
         <a:xfrm rot="5400000">
-          <a:off x="2627907" y="-299045"/>
-          <a:ext cx="964803" cy="4142581"/>
+          <a:off x="3220569" y="-275085"/>
+          <a:ext cx="1198851" cy="5057847"/>
         </a:xfrm>
         <a:prstGeom prst="round2SameRect">
           <a:avLst/>
@@ -4138,13 +4230,50 @@
           </a:pPr>
           <a:r>
             <a:rPr lang="en-US" sz="1300" kern="1200" dirty="0"/>
-            <a:t>Component Interaction</a:t>
+            <a:t>Routing</a:t>
+          </a:r>
+        </a:p>
+        <a:p>
+          <a:pPr marL="114300" lvl="1" indent="-114300" algn="l" defTabSz="577850">
+            <a:lnSpc>
+              <a:spcPct val="90000"/>
+            </a:lnSpc>
+            <a:spcBef>
+              <a:spcPct val="0"/>
+            </a:spcBef>
+            <a:spcAft>
+              <a:spcPct val="15000"/>
+            </a:spcAft>
+            <a:buChar char="•"/>
+          </a:pPr>
+          <a:r>
+            <a:rPr lang="en-US" sz="1300" kern="1200"/>
+            <a:t>Services</a:t>
+          </a:r>
+          <a:endParaRPr lang="en-US" sz="1300" kern="1200" dirty="0"/>
+        </a:p>
+        <a:p>
+          <a:pPr marL="114300" lvl="1" indent="-114300" algn="l" defTabSz="577850">
+            <a:lnSpc>
+              <a:spcPct val="90000"/>
+            </a:lnSpc>
+            <a:spcBef>
+              <a:spcPct val="0"/>
+            </a:spcBef>
+            <a:spcAft>
+              <a:spcPct val="15000"/>
+            </a:spcAft>
+            <a:buChar char="•"/>
+          </a:pPr>
+          <a:r>
+            <a:rPr lang="en-US" sz="1300" kern="1200" dirty="0"/>
+            <a:t>HttpClient</a:t>
           </a:r>
         </a:p>
       </dsp:txBody>
       <dsp:txXfrm rot="-5400000">
-        <a:off x="1039018" y="1336942"/>
-        <a:ext cx="4095483" cy="870607"/>
+        <a:off x="1291072" y="1712935"/>
+        <a:ext cx="4999324" cy="1081805"/>
       </dsp:txXfrm>
     </dsp:sp>
     <dsp:sp modelId="{313AD033-B7BB-4EC6-AC9F-779C779033BC}">
@@ -4154,8 +4283,8 @@
       </dsp:nvSpPr>
       <dsp:spPr>
         <a:xfrm rot="5400000">
-          <a:off x="-222646" y="2801154"/>
-          <a:ext cx="1484312" cy="1039018"/>
+          <a:off x="-276658" y="3583732"/>
+          <a:ext cx="1844387" cy="1291071"/>
         </a:xfrm>
         <a:prstGeom prst="chevron">
           <a:avLst/>
@@ -4251,8 +4380,8 @@
         </a:p>
       </dsp:txBody>
       <dsp:txXfrm rot="-5400000">
-        <a:off x="1" y="3098016"/>
-        <a:ext cx="1039018" cy="445294"/>
+        <a:off x="1" y="3952610"/>
+        <a:ext cx="1291071" cy="553316"/>
       </dsp:txXfrm>
     </dsp:sp>
     <dsp:sp modelId="{F7953EAE-773D-4D58-AF6A-C889AAE1152F}">
@@ -4262,8 +4391,8 @@
       </dsp:nvSpPr>
       <dsp:spPr>
         <a:xfrm rot="5400000">
-          <a:off x="2627907" y="1006666"/>
-          <a:ext cx="964803" cy="4142581"/>
+          <a:off x="3220569" y="1398760"/>
+          <a:ext cx="1198851" cy="5057847"/>
         </a:xfrm>
         <a:prstGeom prst="round2SameRect">
           <a:avLst/>
@@ -4321,9 +4450,24 @@
             </a:spcAft>
             <a:buChar char="•"/>
           </a:pPr>
+          <a:endParaRPr lang="en-US" sz="1300" kern="1200" dirty="0"/>
+        </a:p>
+        <a:p>
+          <a:pPr marL="114300" lvl="1" indent="-114300" algn="l" defTabSz="577850">
+            <a:lnSpc>
+              <a:spcPct val="90000"/>
+            </a:lnSpc>
+            <a:spcBef>
+              <a:spcPct val="0"/>
+            </a:spcBef>
+            <a:spcAft>
+              <a:spcPct val="15000"/>
+            </a:spcAft>
+            <a:buChar char="•"/>
+          </a:pPr>
           <a:r>
             <a:rPr lang="en-US" sz="1300" kern="1200" dirty="0"/>
-            <a:t>Routing</a:t>
+            <a:t>Defining Observables</a:t>
           </a:r>
         </a:p>
         <a:p>
@@ -4341,7 +4485,7 @@
           </a:pPr>
           <a:r>
             <a:rPr lang="en-US" sz="1300" kern="1200" dirty="0"/>
-            <a:t>Services</a:t>
+            <a:t>Route Guards</a:t>
           </a:r>
         </a:p>
         <a:p>
@@ -4359,7 +4503,7 @@
           </a:pPr>
           <a:r>
             <a:rPr lang="en-US" sz="1300" kern="1200" dirty="0"/>
-            <a:t>Http</a:t>
+            <a:t>Material</a:t>
           </a:r>
         </a:p>
         <a:p>
@@ -4382,8 +4526,8 @@
         </a:p>
       </dsp:txBody>
       <dsp:txXfrm rot="-5400000">
-        <a:off x="1039018" y="2642653"/>
-        <a:ext cx="4095483" cy="870607"/>
+        <a:off x="1291072" y="3386781"/>
+        <a:ext cx="4999324" cy="1081805"/>
       </dsp:txXfrm>
     </dsp:sp>
   </dsp:spTree>
@@ -4777,10 +4921,7 @@
             </a:spcAft>
             <a:buNone/>
           </a:pPr>
-          <a:r>
-            <a:rPr lang="en-US" sz="1200" b="1" kern="1200" dirty="0"/>
-            <a:t>(JS Tomorrow)</a:t>
-          </a:r>
+          <a:endParaRPr lang="en-US" sz="1200" b="1" kern="1200" dirty="0"/>
         </a:p>
       </dsp:txBody>
       <dsp:txXfrm>
@@ -4874,10 +5015,7 @@
             </a:spcAft>
             <a:buNone/>
           </a:pPr>
-          <a:r>
-            <a:rPr lang="en-US" sz="1800" kern="1200" dirty="0"/>
-            <a:t>(JS Today)</a:t>
-          </a:r>
+          <a:endParaRPr lang="en-US" sz="1800" kern="1200" dirty="0"/>
         </a:p>
       </dsp:txBody>
       <dsp:txXfrm>
@@ -9309,7 +9447,7 @@
           <a:p>
             <a:fld id="{9545C95F-707D-425D-A078-5ACD87328036}" type="datetimeFigureOut">
               <a:rPr lang="en-US" smtClean="0"/>
-              <a:t>10/22/19</a:t>
+              <a:t>11/12/19</a:t>
             </a:fld>
             <a:endParaRPr lang="en-US"/>
           </a:p>
@@ -15272,10 +15410,10 @@
       </p:grpSpPr>
       <p:pic>
         <p:nvPicPr>
-          <p:cNvPr id="6" name="Picture 5">
+          <p:cNvPr id="4" name="Picture 3">
             <a:extLst>
               <a:ext uri="{FF2B5EF4-FFF2-40B4-BE49-F238E27FC236}">
-                <a16:creationId xmlns:a16="http://schemas.microsoft.com/office/drawing/2014/main" id="{6F72C6B3-C7EA-4EBD-A67A-99DF7DD79626}"/>
+                <a16:creationId xmlns:a16="http://schemas.microsoft.com/office/drawing/2014/main" id="{4395E550-7313-AE4C-8A37-C75D3DACCD33}"/>
               </a:ext>
             </a:extLst>
           </p:cNvPr>
@@ -15292,8 +15430,8 @@
         </p:blipFill>
         <p:spPr>
           <a:xfrm>
-            <a:off x="2868727" y="931439"/>
-            <a:ext cx="7263087" cy="5231358"/>
+            <a:off x="2586686" y="716187"/>
+            <a:ext cx="7332625" cy="5460876"/>
           </a:xfrm>
           <a:prstGeom prst="rect">
             <a:avLst/>
@@ -16654,7 +16792,7 @@
         </p:nvSpPr>
         <p:spPr>
           <a:xfrm>
-            <a:off x="739437" y="4137527"/>
+            <a:off x="7120781" y="2438401"/>
             <a:ext cx="2725426" cy="307777"/>
           </a:xfrm>
           <a:prstGeom prst="rect">
@@ -16801,7 +16939,11 @@
           <p:cNvPr id="7" name="Diagram 6"/>
           <p:cNvGraphicFramePr/>
           <p:nvPr>
-            <p:extLst/>
+            <p:extLst>
+              <p:ext uri="{D42A27DB-BD31-4B8C-83A1-F6EECF244321}">
+                <p14:modId xmlns:p14="http://schemas.microsoft.com/office/powerpoint/2010/main" val="239237119"/>
+              </p:ext>
+            </p:extLst>
           </p:nvPr>
         </p:nvGraphicFramePr>
         <p:xfrm>
@@ -20355,9 +20497,7 @@
             <a:avLst/>
           </a:prstGeom>
           <a:solidFill>
-            <a:schemeClr val="bg1">
-              <a:lumMod val="75000"/>
-            </a:schemeClr>
+            <a:schemeClr val="tx1"/>
           </a:solidFill>
           <a:ln>
             <a:noFill/>
@@ -20386,9 +20526,7 @@
             <a:r>
               <a:rPr lang="en-US" sz="2400" dirty="0">
                 <a:solidFill>
-                  <a:schemeClr val="tx2">
-                    <a:lumMod val="50000"/>
-                  </a:schemeClr>
+                  <a:schemeClr val="bg1"/>
                 </a:solidFill>
                 <a:latin typeface="Courier New" panose="02070309020205020404" pitchFamily="49" charset="0"/>
                 <a:cs typeface="Courier New" panose="02070309020205020404" pitchFamily="49" charset="0"/>
@@ -20413,9 +20551,7 @@
             <a:avLst/>
           </a:prstGeom>
           <a:solidFill>
-            <a:schemeClr val="bg1">
-              <a:lumMod val="75000"/>
-            </a:schemeClr>
+            <a:schemeClr val="tx1"/>
           </a:solidFill>
           <a:ln>
             <a:noFill/>
@@ -20444,9 +20580,7 @@
             <a:r>
               <a:rPr lang="en-US" sz="2400" dirty="0">
                 <a:solidFill>
-                  <a:schemeClr val="tx2">
-                    <a:lumMod val="50000"/>
-                  </a:schemeClr>
+                  <a:schemeClr val="bg1"/>
                 </a:solidFill>
                 <a:latin typeface="Courier New" panose="02070309020205020404" pitchFamily="49" charset="0"/>
                 <a:cs typeface="Courier New" panose="02070309020205020404" pitchFamily="49" charset="0"/>
@@ -20456,9 +20590,7 @@
             <a:r>
               <a:rPr lang="en-US" sz="2400">
                 <a:solidFill>
-                  <a:schemeClr val="tx2">
-                    <a:lumMod val="50000"/>
-                  </a:schemeClr>
+                  <a:schemeClr val="bg1"/>
                 </a:solidFill>
                 <a:latin typeface="Courier New" panose="02070309020205020404" pitchFamily="49" charset="0"/>
                 <a:cs typeface="Courier New" panose="02070309020205020404" pitchFamily="49" charset="0"/>
@@ -20467,9 +20599,7 @@
             </a:r>
             <a:endParaRPr lang="en-US" sz="2400" dirty="0">
               <a:solidFill>
-                <a:schemeClr val="tx2">
-                  <a:lumMod val="50000"/>
-                </a:schemeClr>
+                <a:schemeClr val="bg1"/>
               </a:solidFill>
               <a:latin typeface="Courier New" panose="02070309020205020404" pitchFamily="49" charset="0"/>
               <a:cs typeface="Courier New" panose="02070309020205020404" pitchFamily="49" charset="0"/>
@@ -24337,14 +24467,14 @@
           <p:nvPr>
             <p:extLst>
               <p:ext uri="{D42A27DB-BD31-4B8C-83A1-F6EECF244321}">
-                <p14:modId xmlns:p14="http://schemas.microsoft.com/office/powerpoint/2010/main" val="3419679288"/>
+                <p14:modId xmlns:p14="http://schemas.microsoft.com/office/powerpoint/2010/main" val="148011242"/>
               </p:ext>
             </p:extLst>
           </p:nvPr>
         </p:nvGraphicFramePr>
         <p:xfrm>
-          <a:off x="1828800" y="1470035"/>
-          <a:ext cx="5181600" cy="4064000"/>
+          <a:off x="661481" y="897390"/>
+          <a:ext cx="6348919" cy="5153213"/>
         </p:xfrm>
         <a:graphic>
           <a:graphicData uri="http://schemas.openxmlformats.org/drawingml/2006/diagram">
@@ -28729,21 +28859,6 @@
 </file>
 
 <file path=customXml/item1.xml><?xml version="1.0" encoding="utf-8"?>
-<?mso-contentType ?>
-<FormTemplates xmlns="http://schemas.microsoft.com/sharepoint/v3/contenttype/forms">
-  <Display>DocumentLibraryForm</Display>
-  <Edit>DocumentLibraryForm</Edit>
-  <New>DocumentLibraryForm</New>
-</FormTemplates>
-</file>
-
-<file path=customXml/item2.xml><?xml version="1.0" encoding="utf-8"?>
-<p:properties xmlns:p="http://schemas.microsoft.com/office/2006/metadata/properties" xmlns:xsi="http://www.w3.org/2001/XMLSchema-instance" xmlns:pc="http://schemas.microsoft.com/office/infopath/2007/PartnerControls">
-  <documentManagement/>
-</p:properties>
-</file>
-
-<file path=customXml/item3.xml><?xml version="1.0" encoding="utf-8"?>
 <ct:contentTypeSchema xmlns:ct="http://schemas.microsoft.com/office/2006/metadata/contentType" xmlns:ma="http://schemas.microsoft.com/office/2006/metadata/properties/metaAttributes" ct:_="" ma:_="" ma:contentTypeName="Document" ma:contentTypeID="0x010100348CA4AA68F5A649B6FC2B4481499820" ma:contentTypeVersion="0" ma:contentTypeDescription="Create a new document." ma:contentTypeScope="" ma:versionID="b9f06d6c5e6413d5718fbf4634c1f44f">
   <xsd:schema xmlns:xsd="http://www.w3.org/2001/XMLSchema" xmlns:xs="http://www.w3.org/2001/XMLSchema" xmlns:p="http://schemas.microsoft.com/office/2006/metadata/properties" targetNamespace="http://schemas.microsoft.com/office/2006/metadata/properties" ma:root="true" ma:fieldsID="c64490b4aec6201516c3a874156f37b2">
     <xsd:element name="properties">
@@ -28857,30 +28972,22 @@
 </ct:contentTypeSchema>
 </file>
 
-<file path=customXml/itemProps1.xml><?xml version="1.0" encoding="utf-8"?>
-<ds:datastoreItem xmlns:ds="http://schemas.openxmlformats.org/officeDocument/2006/customXml" ds:itemID="{DE9B7644-5C2E-4538-8E7E-5B1D32C8AA71}">
-  <ds:schemaRefs>
-    <ds:schemaRef ds:uri="http://schemas.microsoft.com/sharepoint/v3/contenttype/forms"/>
-  </ds:schemaRefs>
-</ds:datastoreItem>
+<file path=customXml/item2.xml><?xml version="1.0" encoding="utf-8"?>
+<?mso-contentType ?>
+<FormTemplates xmlns="http://schemas.microsoft.com/sharepoint/v3/contenttype/forms">
+  <Display>DocumentLibraryForm</Display>
+  <Edit>DocumentLibraryForm</Edit>
+  <New>DocumentLibraryForm</New>
+</FormTemplates>
 </file>
 
-<file path=customXml/itemProps2.xml><?xml version="1.0" encoding="utf-8"?>
-<ds:datastoreItem xmlns:ds="http://schemas.openxmlformats.org/officeDocument/2006/customXml" ds:itemID="{5888E1DD-DAEC-4FE0-983F-E847EF2AA2FB}">
-  <ds:schemaRefs>
-    <ds:schemaRef ds:uri="http://schemas.openxmlformats.org/package/2006/metadata/core-properties"/>
-    <ds:schemaRef ds:uri="http://schemas.microsoft.com/office/2006/documentManagement/types"/>
-    <ds:schemaRef ds:uri="http://purl.org/dc/dcmitype/"/>
-    <ds:schemaRef ds:uri="http://www.w3.org/XML/1998/namespace"/>
-    <ds:schemaRef ds:uri="http://schemas.microsoft.com/office/2006/metadata/properties"/>
-    <ds:schemaRef ds:uri="http://schemas.microsoft.com/office/infopath/2007/PartnerControls"/>
-    <ds:schemaRef ds:uri="http://purl.org/dc/terms/"/>
-    <ds:schemaRef ds:uri="http://purl.org/dc/elements/1.1/"/>
-  </ds:schemaRefs>
-</ds:datastoreItem>
+<file path=customXml/item3.xml><?xml version="1.0" encoding="utf-8"?>
+<p:properties xmlns:p="http://schemas.microsoft.com/office/2006/metadata/properties" xmlns:xsi="http://www.w3.org/2001/XMLSchema-instance" xmlns:pc="http://schemas.microsoft.com/office/infopath/2007/PartnerControls">
+  <documentManagement/>
+</p:properties>
 </file>
 
-<file path=customXml/itemProps3.xml><?xml version="1.0" encoding="utf-8"?>
+<file path=customXml/itemProps1.xml><?xml version="1.0" encoding="utf-8"?>
 <ds:datastoreItem xmlns:ds="http://schemas.openxmlformats.org/officeDocument/2006/customXml" ds:itemID="{7D57DC7A-2D5F-4CCA-AB2E-695832A7FFED}">
   <ds:schemaRefs>
     <ds:schemaRef ds:uri="http://schemas.microsoft.com/office/2006/metadata/contentType"/>
@@ -28894,4 +29001,27 @@
     <ds:schemaRef ds:uri="http://schemas.microsoft.com/office/infopath/2007/PartnerControls"/>
   </ds:schemaRefs>
 </ds:datastoreItem>
+</file>
+
+<file path=customXml/itemProps2.xml><?xml version="1.0" encoding="utf-8"?>
+<ds:datastoreItem xmlns:ds="http://schemas.openxmlformats.org/officeDocument/2006/customXml" ds:itemID="{DE9B7644-5C2E-4538-8E7E-5B1D32C8AA71}">
+  <ds:schemaRefs>
+    <ds:schemaRef ds:uri="http://schemas.microsoft.com/sharepoint/v3/contenttype/forms"/>
+  </ds:schemaRefs>
+</ds:datastoreItem>
+</file>
+
+<file path=customXml/itemProps3.xml><?xml version="1.0" encoding="utf-8"?>
+<ds:datastoreItem xmlns:ds="http://schemas.openxmlformats.org/officeDocument/2006/customXml" ds:itemID="{5888E1DD-DAEC-4FE0-983F-E847EF2AA2FB}">
+  <ds:schemaRefs>
+    <ds:schemaRef ds:uri="http://schemas.openxmlformats.org/package/2006/metadata/core-properties"/>
+    <ds:schemaRef ds:uri="http://schemas.microsoft.com/office/2006/documentManagement/types"/>
+    <ds:schemaRef ds:uri="http://purl.org/dc/dcmitype/"/>
+    <ds:schemaRef ds:uri="http://www.w3.org/XML/1998/namespace"/>
+    <ds:schemaRef ds:uri="http://schemas.microsoft.com/office/2006/metadata/properties"/>
+    <ds:schemaRef ds:uri="http://schemas.microsoft.com/office/infopath/2007/PartnerControls"/>
+    <ds:schemaRef ds:uri="http://purl.org/dc/terms/"/>
+    <ds:schemaRef ds:uri="http://purl.org/dc/elements/1.1/"/>
+  </ds:schemaRefs>
+</ds:datastoreItem>
 </file>